--- a/Assignment_2/presentazione ass2.pptx
+++ b/Assignment_2/presentazione ass2.pptx
@@ -8102,15 +8102,7 @@
             <a:pPr algn="ctr"/>
             <a:r>
               <a:rPr lang="it-IT" dirty="0"/>
-              <a:t>che, usando appunto il metodo del gradiente, ci fornisce una legge di aggiornamento dei </a:t>
-            </a:r>
-            <a:r>
-              <a:rPr lang="it-IT" dirty="0" err="1"/>
-              <a:t>paramentri</a:t>
-            </a:r>
-            <a:r>
-              <a:rPr lang="it-IT" dirty="0"/>
-              <a:t> data da</a:t>
+              <a:t>che, usando appunto il metodo del gradiente, ci fornisce una legge di aggiornamento dei parametri data da</a:t>
             </a:r>
           </a:p>
         </p:txBody>
@@ -8596,8 +8588,8 @@
           <a:chExt cx="0" cy="0"/>
         </a:xfrm>
       </p:grpSpPr>
-      <mc:AlternateContent xmlns:mc="http://schemas.openxmlformats.org/markup-compatibility/2006">
-        <mc:Choice xmlns:a14="http://schemas.microsoft.com/office/drawing/2010/main" Requires="a14">
+      <mc:AlternateContent xmlns:mc="http://schemas.openxmlformats.org/markup-compatibility/2006" xmlns:a14="http://schemas.microsoft.com/office/drawing/2010/main">
+        <mc:Choice Requires="a14">
           <p:sp>
             <p:nvSpPr>
               <p:cNvPr id="2" name="Titolo 1">
@@ -8696,7 +8688,7 @@
             </p:txBody>
           </p:sp>
         </mc:Choice>
-        <mc:Fallback>
+        <mc:Fallback xmlns="">
           <p:sp>
             <p:nvSpPr>
               <p:cNvPr id="2" name="Titolo 1">
@@ -8894,8 +8886,8 @@
           <a:chExt cx="0" cy="0"/>
         </a:xfrm>
       </p:grpSpPr>
-      <mc:AlternateContent xmlns:mc="http://schemas.openxmlformats.org/markup-compatibility/2006">
-        <mc:Choice xmlns:a14="http://schemas.microsoft.com/office/drawing/2010/main" Requires="a14">
+      <mc:AlternateContent xmlns:mc="http://schemas.openxmlformats.org/markup-compatibility/2006" xmlns:a14="http://schemas.microsoft.com/office/drawing/2010/main">
+        <mc:Choice Requires="a14">
           <p:sp>
             <p:nvSpPr>
               <p:cNvPr id="2" name="Titolo 1">
@@ -8997,7 +8989,7 @@
             </p:txBody>
           </p:sp>
         </mc:Choice>
-        <mc:Fallback>
+        <mc:Fallback xmlns="">
           <p:sp>
             <p:nvSpPr>
               <p:cNvPr id="2" name="Titolo 1">
@@ -9195,8 +9187,8 @@
           <a:chExt cx="0" cy="0"/>
         </a:xfrm>
       </p:grpSpPr>
-      <mc:AlternateContent xmlns:mc="http://schemas.openxmlformats.org/markup-compatibility/2006">
-        <mc:Choice xmlns:a14="http://schemas.microsoft.com/office/drawing/2010/main" Requires="a14">
+      <mc:AlternateContent xmlns:mc="http://schemas.openxmlformats.org/markup-compatibility/2006" xmlns:a14="http://schemas.microsoft.com/office/drawing/2010/main">
+        <mc:Choice Requires="a14">
           <p:sp>
             <p:nvSpPr>
               <p:cNvPr id="2" name="Titolo 1">
@@ -9243,7 +9235,7 @@
             </p:txBody>
           </p:sp>
         </mc:Choice>
-        <mc:Fallback>
+        <mc:Fallback xmlns="">
           <p:sp>
             <p:nvSpPr>
               <p:cNvPr id="2" name="Titolo 1">
@@ -9469,8 +9461,8 @@
           </a:p>
         </p:txBody>
       </p:sp>
-      <mc:AlternateContent xmlns:mc="http://schemas.openxmlformats.org/markup-compatibility/2006">
-        <mc:Choice xmlns:a14="http://schemas.microsoft.com/office/drawing/2010/main" Requires="a14">
+      <mc:AlternateContent xmlns:mc="http://schemas.openxmlformats.org/markup-compatibility/2006" xmlns:a14="http://schemas.microsoft.com/office/drawing/2010/main">
+        <mc:Choice Requires="a14">
           <p:sp>
             <p:nvSpPr>
               <p:cNvPr id="3" name="Segnaposto contenuto 2">
@@ -9528,7 +9520,7 @@
             </p:txBody>
           </p:sp>
         </mc:Choice>
-        <mc:Fallback>
+        <mc:Fallback xmlns="">
           <p:sp>
             <p:nvSpPr>
               <p:cNvPr id="3" name="Segnaposto contenuto 2">

--- a/Assignment_2/presentazione ass2.pptx
+++ b/Assignment_2/presentazione ass2.pptx
@@ -12,7 +12,8 @@
     <p:sldId id="260" r:id="rId6"/>
     <p:sldId id="261" r:id="rId7"/>
     <p:sldId id="262" r:id="rId8"/>
-    <p:sldId id="263" r:id="rId9"/>
+    <p:sldId id="264" r:id="rId9"/>
+    <p:sldId id="263" r:id="rId10"/>
   </p:sldIdLst>
   <p:sldSz cx="12192000" cy="6858000"/>
   <p:notesSz cx="6858000" cy="9144000"/>
@@ -308,7 +309,7 @@
             <a:fld id="{B61BEF0D-F0BB-DE4B-95CE-6DB70DBA9567}" type="datetimeFigureOut">
               <a:rPr lang="en-US" dirty="0"/>
               <a:pPr/>
-              <a:t>10/8/2021</a:t>
+              <a:t>10/10/2021</a:t>
             </a:fld>
             <a:endParaRPr lang="en-US" dirty="0"/>
           </a:p>
@@ -643,7 +644,7 @@
             <a:fld id="{B61BEF0D-F0BB-DE4B-95CE-6DB70DBA9567}" type="datetimeFigureOut">
               <a:rPr lang="en-US" dirty="0"/>
               <a:pPr/>
-              <a:t>10/8/2021</a:t>
+              <a:t>10/10/2021</a:t>
             </a:fld>
             <a:endParaRPr lang="en-US" dirty="0"/>
           </a:p>
@@ -1041,7 +1042,7 @@
             <a:fld id="{B61BEF0D-F0BB-DE4B-95CE-6DB70DBA9567}" type="datetimeFigureOut">
               <a:rPr lang="en-US" dirty="0"/>
               <a:pPr/>
-              <a:t>10/8/2021</a:t>
+              <a:t>10/10/2021</a:t>
             </a:fld>
             <a:endParaRPr lang="en-US" dirty="0"/>
           </a:p>
@@ -1373,7 +1374,7 @@
             <a:fld id="{B61BEF0D-F0BB-DE4B-95CE-6DB70DBA9567}" type="datetimeFigureOut">
               <a:rPr lang="en-US" dirty="0"/>
               <a:pPr/>
-              <a:t>10/8/2021</a:t>
+              <a:t>10/10/2021</a:t>
             </a:fld>
             <a:endParaRPr lang="en-US" dirty="0"/>
           </a:p>
@@ -1690,7 +1691,7 @@
             <a:fld id="{B61BEF0D-F0BB-DE4B-95CE-6DB70DBA9567}" type="datetimeFigureOut">
               <a:rPr lang="en-US" dirty="0"/>
               <a:pPr/>
-              <a:t>10/8/2021</a:t>
+              <a:t>10/10/2021</a:t>
             </a:fld>
             <a:endParaRPr lang="en-US" dirty="0"/>
           </a:p>
@@ -2083,7 +2084,7 @@
             <a:fld id="{B61BEF0D-F0BB-DE4B-95CE-6DB70DBA9567}" type="datetimeFigureOut">
               <a:rPr lang="en-US" dirty="0"/>
               <a:pPr/>
-              <a:t>10/8/2021</a:t>
+              <a:t>10/10/2021</a:t>
             </a:fld>
             <a:endParaRPr lang="en-US" dirty="0"/>
           </a:p>
@@ -2337,7 +2338,7 @@
             <a:fld id="{B61BEF0D-F0BB-DE4B-95CE-6DB70DBA9567}" type="datetimeFigureOut">
               <a:rPr lang="en-US" dirty="0"/>
               <a:pPr/>
-              <a:t>10/8/2021</a:t>
+              <a:t>10/10/2021</a:t>
             </a:fld>
             <a:endParaRPr lang="en-US" dirty="0"/>
           </a:p>
@@ -2596,7 +2597,7 @@
             <a:fld id="{B61BEF0D-F0BB-DE4B-95CE-6DB70DBA9567}" type="datetimeFigureOut">
               <a:rPr lang="en-US" dirty="0"/>
               <a:pPr/>
-              <a:t>10/8/2021</a:t>
+              <a:t>10/10/2021</a:t>
             </a:fld>
             <a:endParaRPr lang="en-US" dirty="0"/>
           </a:p>
@@ -2855,7 +2856,7 @@
             <a:fld id="{B61BEF0D-F0BB-DE4B-95CE-6DB70DBA9567}" type="datetimeFigureOut">
               <a:rPr lang="en-US" dirty="0"/>
               <a:pPr/>
-              <a:t>10/8/2021</a:t>
+              <a:t>10/10/2021</a:t>
             </a:fld>
             <a:endParaRPr lang="en-US" dirty="0"/>
           </a:p>
@@ -3181,7 +3182,7 @@
             <a:fld id="{B61BEF0D-F0BB-DE4B-95CE-6DB70DBA9567}" type="datetimeFigureOut">
               <a:rPr lang="en-US" dirty="0"/>
               <a:pPr/>
-              <a:t>10/8/2021</a:t>
+              <a:t>10/10/2021</a:t>
             </a:fld>
             <a:endParaRPr lang="en-US" dirty="0"/>
           </a:p>
@@ -3501,7 +3502,7 @@
             <a:fld id="{B61BEF0D-F0BB-DE4B-95CE-6DB70DBA9567}" type="datetimeFigureOut">
               <a:rPr lang="en-US" dirty="0"/>
               <a:pPr/>
-              <a:t>10/8/2021</a:t>
+              <a:t>10/10/2021</a:t>
             </a:fld>
             <a:endParaRPr lang="en-US" dirty="0"/>
           </a:p>
@@ -3955,7 +3956,7 @@
             <a:fld id="{B61BEF0D-F0BB-DE4B-95CE-6DB70DBA9567}" type="datetimeFigureOut">
               <a:rPr lang="en-US" dirty="0"/>
               <a:pPr/>
-              <a:t>10/8/2021</a:t>
+              <a:t>10/10/2021</a:t>
             </a:fld>
             <a:endParaRPr lang="en-US" dirty="0"/>
           </a:p>
@@ -4157,7 +4158,7 @@
             <a:fld id="{B61BEF0D-F0BB-DE4B-95CE-6DB70DBA9567}" type="datetimeFigureOut">
               <a:rPr lang="en-US" dirty="0"/>
               <a:pPr/>
-              <a:t>10/8/2021</a:t>
+              <a:t>10/10/2021</a:t>
             </a:fld>
             <a:endParaRPr lang="en-US" dirty="0"/>
           </a:p>
@@ -4331,7 +4332,7 @@
             <a:fld id="{B61BEF0D-F0BB-DE4B-95CE-6DB70DBA9567}" type="datetimeFigureOut">
               <a:rPr lang="en-US" dirty="0"/>
               <a:pPr/>
-              <a:t>10/8/2021</a:t>
+              <a:t>10/10/2021</a:t>
             </a:fld>
             <a:endParaRPr lang="en-US" dirty="0"/>
           </a:p>
@@ -4661,7 +4662,7 @@
             <a:fld id="{B61BEF0D-F0BB-DE4B-95CE-6DB70DBA9567}" type="datetimeFigureOut">
               <a:rPr lang="en-US" dirty="0"/>
               <a:pPr/>
-              <a:t>10/8/2021</a:t>
+              <a:t>10/10/2021</a:t>
             </a:fld>
             <a:endParaRPr lang="en-US" dirty="0"/>
           </a:p>
@@ -5003,7 +5004,7 @@
             <a:fld id="{B61BEF0D-F0BB-DE4B-95CE-6DB70DBA9567}" type="datetimeFigureOut">
               <a:rPr lang="en-US" dirty="0"/>
               <a:pPr/>
-              <a:t>10/8/2021</a:t>
+              <a:t>10/10/2021</a:t>
             </a:fld>
             <a:endParaRPr lang="en-US" dirty="0"/>
           </a:p>
@@ -7117,7 +7118,7 @@
             <a:fld id="{B61BEF0D-F0BB-DE4B-95CE-6DB70DBA9567}" type="datetimeFigureOut">
               <a:rPr lang="en-US" dirty="0"/>
               <a:pPr/>
-              <a:t>10/8/2021</a:t>
+              <a:t>10/10/2021</a:t>
             </a:fld>
             <a:endParaRPr lang="en-US" dirty="0"/>
           </a:p>
@@ -8254,7 +8255,7 @@
         </p:blipFill>
         <p:spPr>
           <a:xfrm>
-            <a:off x="7891053" y="3149520"/>
+            <a:off x="7899930" y="3575648"/>
             <a:ext cx="2796782" cy="441998"/>
           </a:xfrm>
         </p:spPr>
@@ -8281,7 +8282,7 @@
         </p:blipFill>
         <p:spPr>
           <a:xfrm>
-            <a:off x="7616161" y="2657981"/>
+            <a:off x="7625038" y="3084109"/>
             <a:ext cx="1486029" cy="426757"/>
           </a:xfrm>
           <a:prstGeom prst="rect">
@@ -8311,7 +8312,7 @@
         </p:blipFill>
         <p:spPr>
           <a:xfrm>
-            <a:off x="8511660" y="2229677"/>
+            <a:off x="8520537" y="2655805"/>
             <a:ext cx="3322608" cy="304826"/>
           </a:xfrm>
           <a:prstGeom prst="rect">
@@ -8341,7 +8342,7 @@
         </p:blipFill>
         <p:spPr>
           <a:xfrm>
-            <a:off x="4441372" y="2250144"/>
+            <a:off x="4450249" y="2676272"/>
             <a:ext cx="960203" cy="274344"/>
           </a:xfrm>
           <a:prstGeom prst="rect">
@@ -8371,7 +8372,7 @@
         </p:blipFill>
         <p:spPr>
           <a:xfrm>
-            <a:off x="8151149" y="1686083"/>
+            <a:off x="8160026" y="2112211"/>
             <a:ext cx="2895851" cy="426757"/>
           </a:xfrm>
           <a:prstGeom prst="rect">
@@ -8393,7 +8394,7 @@
         </p:nvSpPr>
         <p:spPr>
           <a:xfrm>
-            <a:off x="2019036" y="1714796"/>
+            <a:off x="2027913" y="2140924"/>
             <a:ext cx="6166173" cy="369332"/>
           </a:xfrm>
           <a:prstGeom prst="rect">
@@ -8428,7 +8429,7 @@
         </p:nvSpPr>
         <p:spPr>
           <a:xfrm>
-            <a:off x="2019036" y="2202650"/>
+            <a:off x="2027913" y="2628778"/>
             <a:ext cx="2437554" cy="369332"/>
           </a:xfrm>
           <a:prstGeom prst="rect">
@@ -8463,7 +8464,7 @@
         </p:nvSpPr>
         <p:spPr>
           <a:xfrm>
-            <a:off x="5499614" y="2184614"/>
+            <a:off x="5508491" y="2610742"/>
             <a:ext cx="3098307" cy="369332"/>
           </a:xfrm>
           <a:prstGeom prst="rect">
@@ -8498,7 +8499,7 @@
         </p:nvSpPr>
         <p:spPr>
           <a:xfrm>
-            <a:off x="2007981" y="2686694"/>
+            <a:off x="2016858" y="3112822"/>
             <a:ext cx="5710275" cy="369332"/>
           </a:xfrm>
           <a:prstGeom prst="rect">
@@ -8537,7 +8538,7 @@
         </p:nvSpPr>
         <p:spPr>
           <a:xfrm>
-            <a:off x="1951892" y="3188773"/>
+            <a:off x="1960769" y="3614901"/>
             <a:ext cx="5939161" cy="369332"/>
           </a:xfrm>
           <a:prstGeom prst="rect">
@@ -8886,8 +8887,8 @@
           <a:chExt cx="0" cy="0"/>
         </a:xfrm>
       </p:grpSpPr>
-      <mc:AlternateContent xmlns:mc="http://schemas.openxmlformats.org/markup-compatibility/2006" xmlns:a14="http://schemas.microsoft.com/office/drawing/2010/main">
-        <mc:Choice Requires="a14">
+      <mc:AlternateContent xmlns:mc="http://schemas.openxmlformats.org/markup-compatibility/2006">
+        <mc:Choice xmlns:a14="http://schemas.microsoft.com/office/drawing/2010/main" Requires="a14">
           <p:sp>
             <p:nvSpPr>
               <p:cNvPr id="2" name="Titolo 1">
@@ -8904,9 +8905,16 @@
                 <p:ph type="title"/>
               </p:nvPr>
             </p:nvSpPr>
-            <p:spPr/>
+            <p:spPr>
+              <a:xfrm>
+                <a:off x="1819923" y="402284"/>
+                <a:ext cx="9373971" cy="1280890"/>
+              </a:xfrm>
+            </p:spPr>
             <p:txBody>
-              <a:bodyPr/>
+              <a:bodyPr>
+                <a:normAutofit fontScale="90000"/>
+              </a:bodyPr>
               <a:lstStyle/>
               <a:p>
                 <a:r>
@@ -8983,13 +8991,13 @@
                 </a14:m>
                 <a:r>
                   <a:rPr lang="it-IT" dirty="0"/>
-                  <a:t> diagramma fasi</a:t>
+                  <a:t> diagramma fasi degli errori di stima dei parametri</a:t>
                 </a:r>
               </a:p>
             </p:txBody>
           </p:sp>
         </mc:Choice>
-        <mc:Fallback xmlns="">
+        <mc:Fallback>
           <p:sp>
             <p:nvSpPr>
               <p:cNvPr id="2" name="Titolo 1">
@@ -9007,10 +9015,14 @@
               </p:nvPr>
             </p:nvSpPr>
             <p:spPr>
+              <a:xfrm>
+                <a:off x="1819923" y="402284"/>
+                <a:ext cx="9373971" cy="1280890"/>
+              </a:xfrm>
               <a:blipFill>
                 <a:blip r:embed="rId2"/>
                 <a:stretch>
-                  <a:fillRect l="-2052"/>
+                  <a:fillRect l="-1692" r="-1106" b="-15714"/>
                 </a:stretch>
               </a:blipFill>
             </p:spPr>
@@ -9433,42 +9445,14 @@
           <a:chExt cx="0" cy="0"/>
         </a:xfrm>
       </p:grpSpPr>
-      <p:sp>
-        <p:nvSpPr>
-          <p:cNvPr id="2" name="Titolo 1">
-            <a:extLst>
-              <a:ext uri="{FF2B5EF4-FFF2-40B4-BE49-F238E27FC236}">
-                <a16:creationId xmlns:a16="http://schemas.microsoft.com/office/drawing/2014/main" id="{F92C6F6A-1175-4605-B164-58149F6B7133}"/>
-              </a:ext>
-            </a:extLst>
-          </p:cNvPr>
-          <p:cNvSpPr>
-            <a:spLocks noGrp="1"/>
-          </p:cNvSpPr>
-          <p:nvPr>
-            <p:ph type="title"/>
-          </p:nvPr>
-        </p:nvSpPr>
-        <p:spPr/>
-        <p:txBody>
-          <a:bodyPr/>
-          <a:lstStyle/>
-          <a:p>
-            <a:r>
-              <a:rPr lang="it-IT" dirty="0"/>
-              <a:t>Conclusioni</a:t>
-            </a:r>
-          </a:p>
-        </p:txBody>
-      </p:sp>
-      <mc:AlternateContent xmlns:mc="http://schemas.openxmlformats.org/markup-compatibility/2006" xmlns:a14="http://schemas.microsoft.com/office/drawing/2010/main">
-        <mc:Choice Requires="a14">
+      <mc:AlternateContent xmlns:mc="http://schemas.openxmlformats.org/markup-compatibility/2006">
+        <mc:Choice xmlns:a14="http://schemas.microsoft.com/office/drawing/2010/main" Requires="a14">
           <p:sp>
             <p:nvSpPr>
-              <p:cNvPr id="3" name="Segnaposto contenuto 2">
+              <p:cNvPr id="2" name="Titolo 1">
                 <a:extLst>
                   <a:ext uri="{FF2B5EF4-FFF2-40B4-BE49-F238E27FC236}">
-                    <a16:creationId xmlns:a16="http://schemas.microsoft.com/office/drawing/2014/main" id="{02119DF3-2134-4E97-99D1-B678F07153B9}"/>
+                    <a16:creationId xmlns:a16="http://schemas.microsoft.com/office/drawing/2014/main" id="{E82D289B-F4FA-4885-A80C-00FF564A22B6}"/>
                   </a:ext>
                 </a:extLst>
               </p:cNvPr>
@@ -9476,57 +9460,62 @@
                 <a:spLocks noGrp="1"/>
               </p:cNvSpPr>
               <p:nvPr>
-                <p:ph idx="1"/>
+                <p:ph type="title"/>
               </p:nvPr>
             </p:nvSpPr>
-            <p:spPr/>
+            <p:spPr>
+              <a:xfrm>
+                <a:off x="1819923" y="402284"/>
+                <a:ext cx="9373971" cy="1280890"/>
+              </a:xfrm>
+            </p:spPr>
             <p:txBody>
-              <a:bodyPr/>
+              <a:bodyPr>
+                <a:normAutofit/>
+              </a:bodyPr>
               <a:lstStyle/>
               <a:p>
                 <a:r>
                   <a:rPr lang="it-IT" dirty="0"/>
-                  <a:t>Nel caso di un segnale sufficientemente ricco (sin) si nota che, oltre alla convergenza dell’errore su z, si ottiene anche che le stime dei parametri convergono a quelli reali</a:t>
-                </a:r>
-              </a:p>
-              <a:p>
-                <a:r>
-                  <a:rPr lang="it-IT" dirty="0"/>
-                  <a:t>Nel caso di ingresso costante invece si ha solo convergenza di</a:t>
+                  <a:t>Caso </a:t>
                 </a:r>
                 <a14:m>
                   <m:oMath xmlns:m="http://schemas.openxmlformats.org/officeDocument/2006/math">
                     <m:r>
-                      <a:rPr lang="it-IT" b="0" i="0" dirty="0" smtClean="0">
+                      <a:rPr lang="it-IT" b="0" i="1" smtClean="0">
+                        <a:latin typeface="Cambria Math" panose="02040503050406030204" pitchFamily="18" charset="0"/>
+                      </a:rPr>
+                      <m:t>𝑢</m:t>
+                    </m:r>
+                    <m:r>
+                      <a:rPr lang="it-IT" b="0" i="1" smtClean="0">
+                        <a:latin typeface="Cambria Math" panose="02040503050406030204" pitchFamily="18" charset="0"/>
+                      </a:rPr>
+                      <m:t>=10</m:t>
+                    </m:r>
+                    <m:r>
+                      <a:rPr lang="it-IT" b="0" i="0" smtClean="0">
                         <a:latin typeface="Cambria Math" panose="02040503050406030204" pitchFamily="18" charset="0"/>
                       </a:rPr>
                       <m:t> </m:t>
                     </m:r>
                   </m:oMath>
                 </a14:m>
-                <a:endParaRPr lang="it-IT" dirty="0"/>
-              </a:p>
-              <a:p>
                 <a:r>
                   <a:rPr lang="it-IT" dirty="0"/>
-                  <a:t>Come evidenziato dai diagrammi delle fasi nei due algoritmi, le convergenze sono di tipo esponenziale solo con DREM </a:t>
+                  <a:t>diagramma fasi degli errori di stima dei parametri</a:t>
                 </a:r>
-                <a:r>
-                  <a:rPr lang="it-IT" dirty="0" err="1"/>
-                  <a:t>method</a:t>
-                </a:r>
-                <a:endParaRPr lang="it-IT" dirty="0"/>
               </a:p>
             </p:txBody>
           </p:sp>
         </mc:Choice>
-        <mc:Fallback xmlns="">
+        <mc:Fallback>
           <p:sp>
             <p:nvSpPr>
-              <p:cNvPr id="3" name="Segnaposto contenuto 2">
+              <p:cNvPr id="2" name="Titolo 1">
                 <a:extLst>
                   <a:ext uri="{FF2B5EF4-FFF2-40B4-BE49-F238E27FC236}">
-                    <a16:creationId xmlns:a16="http://schemas.microsoft.com/office/drawing/2014/main" id="{02119DF3-2134-4E97-99D1-B678F07153B9}"/>
+                    <a16:creationId xmlns:a16="http://schemas.microsoft.com/office/drawing/2014/main" id="{E82D289B-F4FA-4885-A80C-00FF564A22B6}"/>
                   </a:ext>
                 </a:extLst>
               </p:cNvPr>
@@ -9534,14 +9523,18 @@
                 <a:spLocks noGrp="1" noRot="1" noChangeAspect="1" noMove="1" noResize="1" noEditPoints="1" noAdjustHandles="1" noChangeArrowheads="1" noChangeShapeType="1" noTextEdit="1"/>
               </p:cNvSpPr>
               <p:nvPr>
-                <p:ph idx="1"/>
+                <p:ph type="title"/>
               </p:nvPr>
             </p:nvSpPr>
             <p:spPr>
+              <a:xfrm>
+                <a:off x="1819923" y="402284"/>
+                <a:ext cx="9373971" cy="1280890"/>
+              </a:xfrm>
               <a:blipFill>
                 <a:blip r:embed="rId2"/>
                 <a:stretch>
-                  <a:fillRect l="-479" t="-806"/>
+                  <a:fillRect l="-2017" t="-7619" b="-10952"/>
                 </a:stretch>
               </a:blipFill>
             </p:spPr>
@@ -9560,12 +9553,83 @@
           </p:sp>
         </mc:Fallback>
       </mc:AlternateContent>
+      <p:sp>
+        <p:nvSpPr>
+          <p:cNvPr id="8" name="CasellaDiTesto 7">
+            <a:extLst>
+              <a:ext uri="{FF2B5EF4-FFF2-40B4-BE49-F238E27FC236}">
+                <a16:creationId xmlns:a16="http://schemas.microsoft.com/office/drawing/2014/main" id="{94044E68-7777-40FC-9489-6FBAE092D898}"/>
+              </a:ext>
+            </a:extLst>
+          </p:cNvPr>
+          <p:cNvSpPr txBox="1"/>
+          <p:nvPr/>
+        </p:nvSpPr>
+        <p:spPr>
+          <a:xfrm>
+            <a:off x="2513860" y="1867840"/>
+            <a:ext cx="1287262" cy="369332"/>
+          </a:xfrm>
+          <a:prstGeom prst="rect">
+            <a:avLst/>
+          </a:prstGeom>
+          <a:noFill/>
+        </p:spPr>
+        <p:txBody>
+          <a:bodyPr wrap="square" rtlCol="0">
+            <a:spAutoFit/>
+          </a:bodyPr>
+          <a:lstStyle/>
+          <a:p>
+            <a:r>
+              <a:rPr lang="it-IT" dirty="0" err="1"/>
+              <a:t>Gradient</a:t>
+            </a:r>
+            <a:endParaRPr lang="it-IT" dirty="0"/>
+          </a:p>
+        </p:txBody>
+      </p:sp>
+      <p:sp>
+        <p:nvSpPr>
+          <p:cNvPr id="9" name="CasellaDiTesto 8">
+            <a:extLst>
+              <a:ext uri="{FF2B5EF4-FFF2-40B4-BE49-F238E27FC236}">
+                <a16:creationId xmlns:a16="http://schemas.microsoft.com/office/drawing/2014/main" id="{8DF9735F-A646-4984-BB4A-4806001385E1}"/>
+              </a:ext>
+            </a:extLst>
+          </p:cNvPr>
+          <p:cNvSpPr txBox="1"/>
+          <p:nvPr/>
+        </p:nvSpPr>
+        <p:spPr>
+          <a:xfrm>
+            <a:off x="8494450" y="1867840"/>
+            <a:ext cx="985421" cy="369332"/>
+          </a:xfrm>
+          <a:prstGeom prst="rect">
+            <a:avLst/>
+          </a:prstGeom>
+          <a:noFill/>
+        </p:spPr>
+        <p:txBody>
+          <a:bodyPr wrap="square" rtlCol="0">
+            <a:spAutoFit/>
+          </a:bodyPr>
+          <a:lstStyle/>
+          <a:p>
+            <a:r>
+              <a:rPr lang="it-IT" dirty="0"/>
+              <a:t>DREM</a:t>
+            </a:r>
+          </a:p>
+        </p:txBody>
+      </p:sp>
       <p:pic>
         <p:nvPicPr>
           <p:cNvPr id="4" name="Immagine 3">
             <a:extLst>
               <a:ext uri="{FF2B5EF4-FFF2-40B4-BE49-F238E27FC236}">
-                <a16:creationId xmlns:a16="http://schemas.microsoft.com/office/drawing/2014/main" id="{82132528-AB5A-4908-BBBC-F0C91775927B}"/>
+                <a16:creationId xmlns:a16="http://schemas.microsoft.com/office/drawing/2014/main" id="{5CEA1C13-741F-4182-8F3E-06371060CF48}"/>
               </a:ext>
             </a:extLst>
           </p:cNvPr>
@@ -9574,21 +9638,168 @@
           </p:cNvPicPr>
           <p:nvPr/>
         </p:nvPicPr>
-        <p:blipFill rotWithShape="1">
+        <p:blipFill>
           <a:blip r:embed="rId3"/>
-          <a:srcRect t="1" r="68715" b="33"/>
-          <a:stretch/>
+          <a:stretch>
+            <a:fillRect/>
+          </a:stretch>
         </p:blipFill>
         <p:spPr>
           <a:xfrm>
-            <a:off x="10067048" y="3070950"/>
-            <a:ext cx="922659" cy="358050"/>
+            <a:off x="160768" y="2237171"/>
+            <a:ext cx="5877018" cy="4314547"/>
           </a:xfrm>
           <a:prstGeom prst="rect">
             <a:avLst/>
           </a:prstGeom>
         </p:spPr>
       </p:pic>
+      <p:pic>
+        <p:nvPicPr>
+          <p:cNvPr id="12" name="Immagine 11">
+            <a:extLst>
+              <a:ext uri="{FF2B5EF4-FFF2-40B4-BE49-F238E27FC236}">
+                <a16:creationId xmlns:a16="http://schemas.microsoft.com/office/drawing/2014/main" id="{3BD8755E-DC43-490C-8BE4-46735DB1AF66}"/>
+              </a:ext>
+            </a:extLst>
+          </p:cNvPr>
+          <p:cNvPicPr>
+            <a:picLocks noChangeAspect="1"/>
+          </p:cNvPicPr>
+          <p:nvPr/>
+        </p:nvPicPr>
+        <p:blipFill>
+          <a:blip r:embed="rId4"/>
+          <a:stretch>
+            <a:fillRect/>
+          </a:stretch>
+        </p:blipFill>
+        <p:spPr>
+          <a:xfrm>
+            <a:off x="6037786" y="2237169"/>
+            <a:ext cx="5993446" cy="4314547"/>
+          </a:xfrm>
+          <a:prstGeom prst="rect">
+            <a:avLst/>
+          </a:prstGeom>
+        </p:spPr>
+      </p:pic>
+    </p:spTree>
+    <p:extLst>
+      <p:ext uri="{BB962C8B-B14F-4D97-AF65-F5344CB8AC3E}">
+        <p14:creationId xmlns:p14="http://schemas.microsoft.com/office/powerpoint/2010/main" val="1121474363"/>
+      </p:ext>
+    </p:extLst>
+  </p:cSld>
+  <p:clrMapOvr>
+    <a:masterClrMapping/>
+  </p:clrMapOvr>
+</p:sld>
+</file>
+
+<file path=ppt/slides/slide9.xml><?xml version="1.0" encoding="utf-8"?>
+<p:sld xmlns:a="http://schemas.openxmlformats.org/drawingml/2006/main" xmlns:r="http://schemas.openxmlformats.org/officeDocument/2006/relationships" xmlns:p="http://schemas.openxmlformats.org/presentationml/2006/main">
+  <p:cSld>
+    <p:spTree>
+      <p:nvGrpSpPr>
+        <p:cNvPr id="1" name=""/>
+        <p:cNvGrpSpPr/>
+        <p:nvPr/>
+      </p:nvGrpSpPr>
+      <p:grpSpPr>
+        <a:xfrm>
+          <a:off x="0" y="0"/>
+          <a:ext cx="0" cy="0"/>
+          <a:chOff x="0" y="0"/>
+          <a:chExt cx="0" cy="0"/>
+        </a:xfrm>
+      </p:grpSpPr>
+      <p:sp>
+        <p:nvSpPr>
+          <p:cNvPr id="2" name="Titolo 1">
+            <a:extLst>
+              <a:ext uri="{FF2B5EF4-FFF2-40B4-BE49-F238E27FC236}">
+                <a16:creationId xmlns:a16="http://schemas.microsoft.com/office/drawing/2014/main" id="{F92C6F6A-1175-4605-B164-58149F6B7133}"/>
+              </a:ext>
+            </a:extLst>
+          </p:cNvPr>
+          <p:cNvSpPr>
+            <a:spLocks noGrp="1"/>
+          </p:cNvSpPr>
+          <p:nvPr>
+            <p:ph type="title"/>
+          </p:nvPr>
+        </p:nvSpPr>
+        <p:spPr/>
+        <p:txBody>
+          <a:bodyPr/>
+          <a:lstStyle/>
+          <a:p>
+            <a:r>
+              <a:rPr lang="it-IT" dirty="0"/>
+              <a:t>Conclusioni</a:t>
+            </a:r>
+          </a:p>
+        </p:txBody>
+      </p:sp>
+      <p:sp>
+        <p:nvSpPr>
+          <p:cNvPr id="3" name="Segnaposto contenuto 2">
+            <a:extLst>
+              <a:ext uri="{FF2B5EF4-FFF2-40B4-BE49-F238E27FC236}">
+                <a16:creationId xmlns:a16="http://schemas.microsoft.com/office/drawing/2014/main" id="{02119DF3-2134-4E97-99D1-B678F07153B9}"/>
+              </a:ext>
+            </a:extLst>
+          </p:cNvPr>
+          <p:cNvSpPr>
+            <a:spLocks noGrp="1"/>
+          </p:cNvSpPr>
+          <p:nvPr>
+            <p:ph idx="1"/>
+          </p:nvPr>
+        </p:nvSpPr>
+        <p:spPr/>
+        <p:txBody>
+          <a:bodyPr/>
+          <a:lstStyle/>
+          <a:p>
+            <a:r>
+              <a:rPr lang="it-IT" dirty="0"/>
+              <a:t>Nel caso di un segnale sufficientemente ricco (sin) si nota che, oltre alla convergenza dell’errore su z, si ottiene anche che le stime dei parametri convergono a quelli reali</a:t>
+            </a:r>
+          </a:p>
+          <a:p>
+            <a:r>
+              <a:rPr lang="it-IT" dirty="0"/>
+              <a:t>Nel caso di ingresso costante invece si ha solo convergenza dei parametri solo con DREM </a:t>
+            </a:r>
+            <a:r>
+              <a:rPr lang="it-IT" dirty="0" err="1"/>
+              <a:t>method</a:t>
+            </a:r>
+            <a:endParaRPr lang="it-IT" dirty="0"/>
+          </a:p>
+          <a:p>
+            <a:r>
+              <a:rPr lang="it-IT" dirty="0"/>
+              <a:t>Come evidenziato dai diagrammi delle fasi nei due algoritmi, le stime dei parametri migliorano in maniera </a:t>
+            </a:r>
+            <a:r>
+              <a:rPr lang="it-IT" dirty="0" err="1"/>
+              <a:t>monotonica</a:t>
+            </a:r>
+            <a:r>
+              <a:rPr lang="it-IT" dirty="0"/>
+              <a:t> solo con DREM </a:t>
+            </a:r>
+            <a:r>
+              <a:rPr lang="it-IT" dirty="0" err="1"/>
+              <a:t>method</a:t>
+            </a:r>
+            <a:endParaRPr lang="it-IT" dirty="0"/>
+          </a:p>
+        </p:txBody>
+      </p:sp>
     </p:spTree>
     <p:extLst>
       <p:ext uri="{BB962C8B-B14F-4D97-AF65-F5344CB8AC3E}">
